--- a/PFT Defensa - Emiliano Alvarez.pptx
+++ b/PFT Defensa - Emiliano Alvarez.pptx
@@ -26976,8 +26976,8 @@
         </p:nvSpPr>
         <p:spPr>
           <a:xfrm>
-            <a:off x="862300" y="2642488"/>
-            <a:ext cx="6440700" cy="554100"/>
+            <a:off x="677500" y="2630525"/>
+            <a:ext cx="8020800" cy="554100"/>
           </a:xfrm>
           <a:prstGeom prst="rect">
             <a:avLst/>
@@ -27012,7 +27012,7 @@
                 <a:cs typeface="Alata"/>
                 <a:sym typeface="Alata"/>
               </a:rPr>
-              <a:t>Defensa de PFT</a:t>
+              <a:t>Defensa de PFT para Tecnólogo en Ingeniería Biomédica</a:t>
             </a:r>
             <a:endParaRPr b="1" sz="1200">
               <a:solidFill>
@@ -29018,36 +29018,9 @@
           </a:p>
         </p:txBody>
       </p:sp>
-      <p:pic>
-        <p:nvPicPr>
-          <p:cNvPr id="427" name="Google Shape;427;p44"/>
-          <p:cNvPicPr preferRelativeResize="0"/>
-          <p:nvPr/>
-        </p:nvPicPr>
-        <p:blipFill rotWithShape="1">
-          <a:blip r:embed="rId4">
-            <a:alphaModFix/>
-          </a:blip>
-          <a:srcRect b="0" l="8788" r="8771" t="1390"/>
-          <a:stretch/>
-        </p:blipFill>
-        <p:spPr>
-          <a:xfrm>
-            <a:off x="4968150" y="1017725"/>
-            <a:ext cx="3019025" cy="4052625"/>
-          </a:xfrm>
-          <a:prstGeom prst="rect">
-            <a:avLst/>
-          </a:prstGeom>
-          <a:noFill/>
-          <a:ln>
-            <a:noFill/>
-          </a:ln>
-        </p:spPr>
-      </p:pic>
       <p:sp>
         <p:nvSpPr>
-          <p:cNvPr id="428" name="Google Shape;428;p44"/>
+          <p:cNvPr id="427" name="Google Shape;427;p44"/>
           <p:cNvSpPr txBox="1"/>
           <p:nvPr/>
         </p:nvSpPr>
@@ -29310,6 +29283,34 @@
           </a:p>
         </p:txBody>
       </p:sp>
+      <p:pic>
+        <p:nvPicPr>
+          <p:cNvPr id="428" name="Google Shape;428;p44"/>
+          <p:cNvPicPr preferRelativeResize="0"/>
+          <p:nvPr/>
+        </p:nvPicPr>
+        <p:blipFill>
+          <a:blip r:embed="rId4">
+            <a:alphaModFix/>
+          </a:blip>
+          <a:stretch>
+            <a:fillRect/>
+          </a:stretch>
+        </p:blipFill>
+        <p:spPr>
+          <a:xfrm>
+            <a:off x="5491975" y="1161250"/>
+            <a:ext cx="2168798" cy="3829851"/>
+          </a:xfrm>
+          <a:prstGeom prst="rect">
+            <a:avLst/>
+          </a:prstGeom>
+          <a:noFill/>
+          <a:ln>
+            <a:noFill/>
+          </a:ln>
+        </p:spPr>
+      </p:pic>
     </p:spTree>
   </p:cSld>
   <p:clrMapOvr>
@@ -29323,59 +29324,6 @@
             <p:seq concurrent="1" nextAc="seek">
               <p:cTn dur="indefinite" id="2" nodeType="mainSeq">
                 <p:childTnLst>
-                  <p:par>
-                    <p:cTn fill="hold">
-                      <p:stCondLst>
-                        <p:cond delay="indefinite"/>
-                      </p:stCondLst>
-                      <p:childTnLst>
-                        <p:par>
-                          <p:cTn fill="hold">
-                            <p:stCondLst>
-                              <p:cond delay="0"/>
-                            </p:stCondLst>
-                            <p:childTnLst>
-                              <p:par>
-                                <p:cTn fill="hold" nodeType="clickEffect" presetClass="entr" presetID="10" presetSubtype="0">
-                                  <p:stCondLst>
-                                    <p:cond delay="0"/>
-                                  </p:stCondLst>
-                                  <p:childTnLst>
-                                    <p:set>
-                                      <p:cBhvr>
-                                        <p:cTn dur="1" fill="hold">
-                                          <p:stCondLst>
-                                            <p:cond delay="0"/>
-                                          </p:stCondLst>
-                                        </p:cTn>
-                                        <p:tgtEl>
-                                          <p:spTgt spid="428"/>
-                                        </p:tgtEl>
-                                        <p:attrNameLst>
-                                          <p:attrName>style.visibility</p:attrName>
-                                        </p:attrNameLst>
-                                      </p:cBhvr>
-                                      <p:to>
-                                        <p:strVal val="visible"/>
-                                      </p:to>
-                                    </p:set>
-                                    <p:animEffect filter="fade" transition="in">
-                                      <p:cBhvr>
-                                        <p:cTn dur="1000"/>
-                                        <p:tgtEl>
-                                          <p:spTgt spid="428"/>
-                                        </p:tgtEl>
-                                      </p:cBhvr>
-                                    </p:animEffect>
-                                  </p:childTnLst>
-                                </p:cTn>
-                              </p:par>
-                            </p:childTnLst>
-                          </p:cTn>
-                        </p:par>
-                      </p:childTnLst>
-                    </p:cTn>
-                  </p:par>
                   <p:par>
                     <p:cTn fill="hold">
                       <p:stCondLst>
@@ -29824,7 +29772,7 @@
                   <a:srgbClr val="000000"/>
                 </a:solidFill>
               </a:rPr>
-              <a:t>Con el fin de agilizar y facilitar al técnico el tratamiento de los datos, su tratamiento y evaluación de conformidad se </a:t>
+              <a:t>Con el fin de agilizar y facilitar al técnico el tratamiento de los datos, además de la evaluación de conformidad se </a:t>
             </a:r>
             <a:r>
               <a:rPr lang="es" sz="1600">
@@ -30598,6 +30546,37 @@
               </a:solidFill>
             </a:endParaRPr>
           </a:p>
+          <a:p>
+            <a:pPr indent="-323850" lvl="0" marL="457200" rtl="0" algn="l">
+              <a:lnSpc>
+                <a:spcPct val="200000"/>
+              </a:lnSpc>
+              <a:spcBef>
+                <a:spcPts val="0"/>
+              </a:spcBef>
+              <a:spcAft>
+                <a:spcPts val="0"/>
+              </a:spcAft>
+              <a:buClr>
+                <a:srgbClr val="000000"/>
+              </a:buClr>
+              <a:buSzPts val="1500"/>
+              <a:buChar char="●"/>
+            </a:pPr>
+            <a:r>
+              <a:rPr lang="es" sz="1500">
+                <a:solidFill>
+                  <a:srgbClr val="000000"/>
+                </a:solidFill>
+              </a:rPr>
+              <a:t>Se cumplió con el cronograma propuesto en el Anteproyecto.</a:t>
+            </a:r>
+            <a:endParaRPr sz="1500">
+              <a:solidFill>
+                <a:srgbClr val="000000"/>
+              </a:solidFill>
+            </a:endParaRPr>
+          </a:p>
         </p:txBody>
       </p:sp>
     </p:spTree>
@@ -32488,7 +32467,23 @@
                   <a:srgbClr val="000000"/>
                 </a:solidFill>
               </a:rPr>
-              <a:t> el funcionamiento de equipos electromédicos en uso, esto con el fin </a:t>
+              <a:t> el funcionamiento de equipos electromédicos en la </a:t>
+            </a:r>
+            <a:r>
+              <a:rPr lang="es" sz="1600">
+                <a:solidFill>
+                  <a:srgbClr val="000000"/>
+                </a:solidFill>
+              </a:rPr>
+              <a:t>etapa</a:t>
+            </a:r>
+            <a:r>
+              <a:rPr lang="es" sz="1600">
+                <a:solidFill>
+                  <a:srgbClr val="000000"/>
+                </a:solidFill>
+              </a:rPr>
+              <a:t> post-mercado, esto con el fin </a:t>
             </a:r>
             <a:r>
               <a:rPr lang="es" sz="1600">
@@ -32504,7 +32499,7 @@
                   <a:srgbClr val="000000"/>
                 </a:solidFill>
               </a:rPr>
-              <a:t> los riesgos de su uso en pacientes.</a:t>
+              <a:t> los riesgos en la vida de los pacientes.</a:t>
             </a:r>
             <a:endParaRPr sz="1600">
               <a:solidFill>
@@ -34034,7 +34029,7 @@
             <a:tbl>
               <a:tblPr>
                 <a:noFill/>
-                <a:tableStyleId>{210B5798-4A84-4E1E-9E21-81234D4B0567}</a:tableStyleId>
+                <a:tableStyleId>{C9134127-5797-48FF-B500-A760FAF8D2FF}</a:tableStyleId>
               </a:tblPr>
               <a:tblGrid>
                 <a:gridCol w="2840200"/>
